--- a/파이썬 과제/파이썬 7강 과제 남정현.pptx
+++ b/파이썬 과제/파이썬 7강 과제 남정현.pptx
@@ -3898,6 +3898,66 @@
           </a:p>
         </p:txBody>
       </p:sp>
+      <p:pic>
+        <p:nvPicPr>
+          <p:cNvPr id="4" name="그림 3">
+            <a:extLst>
+              <a:ext uri="{FF2B5EF4-FFF2-40B4-BE49-F238E27FC236}">
+                <a16:creationId xmlns:a16="http://schemas.microsoft.com/office/drawing/2014/main" id="{B2FBCC92-62F6-F315-5E1B-9AFB4286737D}"/>
+              </a:ext>
+            </a:extLst>
+          </p:cNvPr>
+          <p:cNvPicPr>
+            <a:picLocks noChangeAspect="1"/>
+          </p:cNvPicPr>
+          <p:nvPr/>
+        </p:nvPicPr>
+        <p:blipFill>
+          <a:blip r:embed="rId2"/>
+          <a:stretch>
+            <a:fillRect/>
+          </a:stretch>
+        </p:blipFill>
+        <p:spPr>
+          <a:xfrm>
+            <a:off x="698938" y="346841"/>
+            <a:ext cx="4829778" cy="2884451"/>
+          </a:xfrm>
+          <a:prstGeom prst="rect">
+            <a:avLst/>
+          </a:prstGeom>
+        </p:spPr>
+      </p:pic>
+      <p:pic>
+        <p:nvPicPr>
+          <p:cNvPr id="8" name="그림 7">
+            <a:extLst>
+              <a:ext uri="{FF2B5EF4-FFF2-40B4-BE49-F238E27FC236}">
+                <a16:creationId xmlns:a16="http://schemas.microsoft.com/office/drawing/2014/main" id="{A8ABD425-8BAA-9FD5-B7A8-E43E9353BE88}"/>
+              </a:ext>
+            </a:extLst>
+          </p:cNvPr>
+          <p:cNvPicPr>
+            <a:picLocks noChangeAspect="1"/>
+          </p:cNvPicPr>
+          <p:nvPr/>
+        </p:nvPicPr>
+        <p:blipFill>
+          <a:blip r:embed="rId3"/>
+          <a:stretch>
+            <a:fillRect/>
+          </a:stretch>
+        </p:blipFill>
+        <p:spPr>
+          <a:xfrm>
+            <a:off x="6495850" y="772348"/>
+            <a:ext cx="5696150" cy="2033437"/>
+          </a:xfrm>
+          <a:prstGeom prst="rect">
+            <a:avLst/>
+          </a:prstGeom>
+        </p:spPr>
+      </p:pic>
     </p:spTree>
     <p:extLst>
       <p:ext uri="{BB962C8B-B14F-4D97-AF65-F5344CB8AC3E}">

--- a/파이썬 과제/파이썬 7강 과제 남정현.pptx
+++ b/파이썬 과제/파이썬 7강 과제 남정현.pptx
@@ -7,6 +7,15 @@
   <p:sldIdLst>
     <p:sldId id="256" r:id="rId2"/>
     <p:sldId id="257" r:id="rId3"/>
+    <p:sldId id="258" r:id="rId4"/>
+    <p:sldId id="259" r:id="rId5"/>
+    <p:sldId id="260" r:id="rId6"/>
+    <p:sldId id="261" r:id="rId7"/>
+    <p:sldId id="262" r:id="rId8"/>
+    <p:sldId id="263" r:id="rId9"/>
+    <p:sldId id="264" r:id="rId10"/>
+    <p:sldId id="265" r:id="rId11"/>
+    <p:sldId id="268" r:id="rId12"/>
   </p:sldIdLst>
   <p:sldSz cx="12192000" cy="6858000"/>
   <p:notesSz cx="6858000" cy="9144000"/>
@@ -105,6 +114,11 @@
       </a:defRPr>
     </a:lvl9pPr>
   </p:defaultTextStyle>
+  <p:extLst>
+    <p:ext uri="{EFAFB233-063F-42B5-8137-9DF3F51BA10A}">
+      <p15:sldGuideLst xmlns:p15="http://schemas.microsoft.com/office/powerpoint/2012/main"/>
+    </p:ext>
+  </p:extLst>
 </p:presentation>
 </file>
 
@@ -3846,6 +3860,234 @@
 </p:sld>
 </file>
 
+<file path=ppt/slides/slide10.xml><?xml version="1.0" encoding="utf-8"?>
+<p:sld xmlns:a="http://schemas.openxmlformats.org/drawingml/2006/main" xmlns:r="http://schemas.openxmlformats.org/officeDocument/2006/relationships" xmlns:p="http://schemas.openxmlformats.org/presentationml/2006/main">
+  <p:cSld>
+    <p:spTree>
+      <p:nvGrpSpPr>
+        <p:cNvPr id="1" name=""/>
+        <p:cNvGrpSpPr/>
+        <p:nvPr/>
+      </p:nvGrpSpPr>
+      <p:grpSpPr>
+        <a:xfrm>
+          <a:off x="0" y="0"/>
+          <a:ext cx="0" cy="0"/>
+          <a:chOff x="0" y="0"/>
+          <a:chExt cx="0" cy="0"/>
+        </a:xfrm>
+      </p:grpSpPr>
+      <p:sp>
+        <p:nvSpPr>
+          <p:cNvPr id="2" name="제목 1">
+            <a:extLst>
+              <a:ext uri="{FF2B5EF4-FFF2-40B4-BE49-F238E27FC236}">
+                <a16:creationId xmlns:a16="http://schemas.microsoft.com/office/drawing/2014/main" id="{C6D12A3E-5C44-35C0-57FE-2485E32526B5}"/>
+              </a:ext>
+            </a:extLst>
+          </p:cNvPr>
+          <p:cNvSpPr>
+            <a:spLocks noGrp="1"/>
+          </p:cNvSpPr>
+          <p:nvPr>
+            <p:ph type="title"/>
+          </p:nvPr>
+        </p:nvSpPr>
+        <p:spPr>
+          <a:xfrm>
+            <a:off x="698938" y="0"/>
+            <a:ext cx="9601200" cy="346841"/>
+          </a:xfrm>
+        </p:spPr>
+        <p:txBody>
+          <a:bodyPr>
+            <a:normAutofit/>
+          </a:bodyPr>
+          <a:lstStyle/>
+          <a:p>
+            <a:r>
+              <a:rPr lang="ko-KR" altLang="en-US" sz="1800" dirty="0"/>
+              <a:t>전역변수</a:t>
+            </a:r>
+            <a:r>
+              <a:rPr lang="en-US" altLang="ko-KR" sz="1800" dirty="0"/>
+              <a:t>, </a:t>
+            </a:r>
+            <a:r>
+              <a:rPr lang="ko-KR" altLang="en-US" sz="1800" dirty="0"/>
+              <a:t>지역변수</a:t>
+            </a:r>
+          </a:p>
+        </p:txBody>
+      </p:sp>
+      <p:pic>
+        <p:nvPicPr>
+          <p:cNvPr id="4" name="그림 3">
+            <a:extLst>
+              <a:ext uri="{FF2B5EF4-FFF2-40B4-BE49-F238E27FC236}">
+                <a16:creationId xmlns:a16="http://schemas.microsoft.com/office/drawing/2014/main" id="{F74EB429-252D-19BA-B8D6-9F5D40F10944}"/>
+              </a:ext>
+            </a:extLst>
+          </p:cNvPr>
+          <p:cNvPicPr>
+            <a:picLocks noChangeAspect="1"/>
+          </p:cNvPicPr>
+          <p:nvPr/>
+        </p:nvPicPr>
+        <p:blipFill>
+          <a:blip r:embed="rId2"/>
+          <a:stretch>
+            <a:fillRect/>
+          </a:stretch>
+        </p:blipFill>
+        <p:spPr>
+          <a:xfrm>
+            <a:off x="698938" y="1380839"/>
+            <a:ext cx="5668166" cy="4096322"/>
+          </a:xfrm>
+          <a:prstGeom prst="rect">
+            <a:avLst/>
+          </a:prstGeom>
+        </p:spPr>
+      </p:pic>
+      <p:pic>
+        <p:nvPicPr>
+          <p:cNvPr id="8" name="그림 7">
+            <a:extLst>
+              <a:ext uri="{FF2B5EF4-FFF2-40B4-BE49-F238E27FC236}">
+                <a16:creationId xmlns:a16="http://schemas.microsoft.com/office/drawing/2014/main" id="{A877F5EE-2660-42D5-1DF8-626C766248C7}"/>
+              </a:ext>
+            </a:extLst>
+          </p:cNvPr>
+          <p:cNvPicPr>
+            <a:picLocks noChangeAspect="1"/>
+          </p:cNvPicPr>
+          <p:nvPr/>
+        </p:nvPicPr>
+        <p:blipFill>
+          <a:blip r:embed="rId3"/>
+          <a:stretch>
+            <a:fillRect/>
+          </a:stretch>
+        </p:blipFill>
+        <p:spPr>
+          <a:xfrm>
+            <a:off x="6870580" y="1573504"/>
+            <a:ext cx="5321420" cy="3710991"/>
+          </a:xfrm>
+          <a:prstGeom prst="rect">
+            <a:avLst/>
+          </a:prstGeom>
+        </p:spPr>
+      </p:pic>
+    </p:spTree>
+    <p:extLst>
+      <p:ext uri="{BB962C8B-B14F-4D97-AF65-F5344CB8AC3E}">
+        <p14:creationId xmlns:p14="http://schemas.microsoft.com/office/powerpoint/2010/main" val="3476635817"/>
+      </p:ext>
+    </p:extLst>
+  </p:cSld>
+  <p:clrMapOvr>
+    <a:masterClrMapping/>
+  </p:clrMapOvr>
+</p:sld>
+</file>
+
+<file path=ppt/slides/slide11.xml><?xml version="1.0" encoding="utf-8"?>
+<p:sld xmlns:a="http://schemas.openxmlformats.org/drawingml/2006/main" xmlns:r="http://schemas.openxmlformats.org/officeDocument/2006/relationships" xmlns:p="http://schemas.openxmlformats.org/presentationml/2006/main">
+  <p:cSld>
+    <p:spTree>
+      <p:nvGrpSpPr>
+        <p:cNvPr id="1" name=""/>
+        <p:cNvGrpSpPr/>
+        <p:nvPr/>
+      </p:nvGrpSpPr>
+      <p:grpSpPr>
+        <a:xfrm>
+          <a:off x="0" y="0"/>
+          <a:ext cx="0" cy="0"/>
+          <a:chOff x="0" y="0"/>
+          <a:chExt cx="0" cy="0"/>
+        </a:xfrm>
+      </p:grpSpPr>
+      <p:sp>
+        <p:nvSpPr>
+          <p:cNvPr id="2" name="제목 1">
+            <a:extLst>
+              <a:ext uri="{FF2B5EF4-FFF2-40B4-BE49-F238E27FC236}">
+                <a16:creationId xmlns:a16="http://schemas.microsoft.com/office/drawing/2014/main" id="{C6D12A3E-5C44-35C0-57FE-2485E32526B5}"/>
+              </a:ext>
+            </a:extLst>
+          </p:cNvPr>
+          <p:cNvSpPr>
+            <a:spLocks noGrp="1"/>
+          </p:cNvSpPr>
+          <p:nvPr>
+            <p:ph type="title"/>
+          </p:nvPr>
+        </p:nvSpPr>
+        <p:spPr>
+          <a:xfrm>
+            <a:off x="698938" y="0"/>
+            <a:ext cx="9601200" cy="346841"/>
+          </a:xfrm>
+        </p:spPr>
+        <p:txBody>
+          <a:bodyPr>
+            <a:normAutofit/>
+          </a:bodyPr>
+          <a:lstStyle/>
+          <a:p>
+            <a:r>
+              <a:rPr lang="ko-KR" altLang="en-US" sz="1800" dirty="0"/>
+              <a:t>정리하기</a:t>
+            </a:r>
+          </a:p>
+        </p:txBody>
+      </p:sp>
+      <p:pic>
+        <p:nvPicPr>
+          <p:cNvPr id="4" name="그림 3">
+            <a:extLst>
+              <a:ext uri="{FF2B5EF4-FFF2-40B4-BE49-F238E27FC236}">
+                <a16:creationId xmlns:a16="http://schemas.microsoft.com/office/drawing/2014/main" id="{F73C555F-183E-9915-D0F3-8EA75E9D6137}"/>
+              </a:ext>
+            </a:extLst>
+          </p:cNvPr>
+          <p:cNvPicPr>
+            <a:picLocks noChangeAspect="1"/>
+          </p:cNvPicPr>
+          <p:nvPr/>
+        </p:nvPicPr>
+        <p:blipFill>
+          <a:blip r:embed="rId2"/>
+          <a:stretch>
+            <a:fillRect/>
+          </a:stretch>
+        </p:blipFill>
+        <p:spPr>
+          <a:xfrm>
+            <a:off x="3440906" y="0"/>
+            <a:ext cx="5310188" cy="6858000"/>
+          </a:xfrm>
+          <a:prstGeom prst="rect">
+            <a:avLst/>
+          </a:prstGeom>
+        </p:spPr>
+      </p:pic>
+    </p:spTree>
+    <p:extLst>
+      <p:ext uri="{BB962C8B-B14F-4D97-AF65-F5344CB8AC3E}">
+        <p14:creationId xmlns:p14="http://schemas.microsoft.com/office/powerpoint/2010/main" val="175265281"/>
+      </p:ext>
+    </p:extLst>
+  </p:cSld>
+  <p:clrMapOvr>
+    <a:masterClrMapping/>
+  </p:clrMapOvr>
+</p:sld>
+</file>
+
 <file path=ppt/slides/slide2.xml><?xml version="1.0" encoding="utf-8"?>
 <p:sld xmlns:a="http://schemas.openxmlformats.org/drawingml/2006/main" xmlns:r="http://schemas.openxmlformats.org/officeDocument/2006/relationships" xmlns:p="http://schemas.openxmlformats.org/presentationml/2006/main">
   <p:cSld>
@@ -3894,6 +4136,14 @@
             <a:r>
               <a:rPr lang="ko-KR" altLang="en-US" sz="1800" dirty="0"/>
               <a:t>함수의 정의</a:t>
+            </a:r>
+            <a:r>
+              <a:rPr lang="en-US" altLang="ko-KR" sz="1800" dirty="0"/>
+              <a:t>, </a:t>
+            </a:r>
+            <a:r>
+              <a:rPr lang="ko-KR" altLang="en-US" sz="1800" dirty="0"/>
+              <a:t>인수</a:t>
             </a:r>
           </a:p>
         </p:txBody>
@@ -3958,10 +4208,906 @@
           </a:prstGeom>
         </p:spPr>
       </p:pic>
+      <p:pic>
+        <p:nvPicPr>
+          <p:cNvPr id="7" name="그림 6">
+            <a:extLst>
+              <a:ext uri="{FF2B5EF4-FFF2-40B4-BE49-F238E27FC236}">
+                <a16:creationId xmlns:a16="http://schemas.microsoft.com/office/drawing/2014/main" id="{A0A26C63-99B8-6536-CBA9-7431F815E108}"/>
+              </a:ext>
+            </a:extLst>
+          </p:cNvPr>
+          <p:cNvPicPr>
+            <a:picLocks noChangeAspect="1"/>
+          </p:cNvPicPr>
+          <p:nvPr/>
+        </p:nvPicPr>
+        <p:blipFill>
+          <a:blip r:embed="rId4"/>
+          <a:stretch>
+            <a:fillRect/>
+          </a:stretch>
+        </p:blipFill>
+        <p:spPr>
+          <a:xfrm>
+            <a:off x="6495850" y="4234221"/>
+            <a:ext cx="5496692" cy="2623779"/>
+          </a:xfrm>
+          <a:prstGeom prst="rect">
+            <a:avLst/>
+          </a:prstGeom>
+        </p:spPr>
+      </p:pic>
+      <p:pic>
+        <p:nvPicPr>
+          <p:cNvPr id="10" name="그림 9">
+            <a:extLst>
+              <a:ext uri="{FF2B5EF4-FFF2-40B4-BE49-F238E27FC236}">
+                <a16:creationId xmlns:a16="http://schemas.microsoft.com/office/drawing/2014/main" id="{30BCD42C-AC1A-9235-A7BC-B17B4F062D24}"/>
+              </a:ext>
+            </a:extLst>
+          </p:cNvPr>
+          <p:cNvPicPr>
+            <a:picLocks noChangeAspect="1"/>
+          </p:cNvPicPr>
+          <p:nvPr/>
+        </p:nvPicPr>
+        <p:blipFill>
+          <a:blip r:embed="rId5"/>
+          <a:stretch>
+            <a:fillRect/>
+          </a:stretch>
+        </p:blipFill>
+        <p:spPr>
+          <a:xfrm>
+            <a:off x="698938" y="4346533"/>
+            <a:ext cx="5354237" cy="2511468"/>
+          </a:xfrm>
+          <a:prstGeom prst="rect">
+            <a:avLst/>
+          </a:prstGeom>
+        </p:spPr>
+      </p:pic>
     </p:spTree>
     <p:extLst>
       <p:ext uri="{BB962C8B-B14F-4D97-AF65-F5344CB8AC3E}">
         <p14:creationId xmlns:p14="http://schemas.microsoft.com/office/powerpoint/2010/main" val="2685433106"/>
+      </p:ext>
+    </p:extLst>
+  </p:cSld>
+  <p:clrMapOvr>
+    <a:masterClrMapping/>
+  </p:clrMapOvr>
+</p:sld>
+</file>
+
+<file path=ppt/slides/slide3.xml><?xml version="1.0" encoding="utf-8"?>
+<p:sld xmlns:a="http://schemas.openxmlformats.org/drawingml/2006/main" xmlns:r="http://schemas.openxmlformats.org/officeDocument/2006/relationships" xmlns:p="http://schemas.openxmlformats.org/presentationml/2006/main">
+  <p:cSld>
+    <p:spTree>
+      <p:nvGrpSpPr>
+        <p:cNvPr id="1" name=""/>
+        <p:cNvGrpSpPr/>
+        <p:nvPr/>
+      </p:nvGrpSpPr>
+      <p:grpSpPr>
+        <a:xfrm>
+          <a:off x="0" y="0"/>
+          <a:ext cx="0" cy="0"/>
+          <a:chOff x="0" y="0"/>
+          <a:chExt cx="0" cy="0"/>
+        </a:xfrm>
+      </p:grpSpPr>
+      <p:sp>
+        <p:nvSpPr>
+          <p:cNvPr id="2" name="제목 1">
+            <a:extLst>
+              <a:ext uri="{FF2B5EF4-FFF2-40B4-BE49-F238E27FC236}">
+                <a16:creationId xmlns:a16="http://schemas.microsoft.com/office/drawing/2014/main" id="{C6D12A3E-5C44-35C0-57FE-2485E32526B5}"/>
+              </a:ext>
+            </a:extLst>
+          </p:cNvPr>
+          <p:cNvSpPr>
+            <a:spLocks noGrp="1"/>
+          </p:cNvSpPr>
+          <p:nvPr>
+            <p:ph type="title"/>
+          </p:nvPr>
+        </p:nvSpPr>
+        <p:spPr>
+          <a:xfrm>
+            <a:off x="698938" y="0"/>
+            <a:ext cx="9601200" cy="346841"/>
+          </a:xfrm>
+        </p:spPr>
+        <p:txBody>
+          <a:bodyPr>
+            <a:normAutofit/>
+          </a:bodyPr>
+          <a:lstStyle/>
+          <a:p>
+            <a:r>
+              <a:rPr lang="en-US" altLang="ko-KR" sz="1800" dirty="0"/>
+              <a:t>Return </a:t>
+            </a:r>
+            <a:r>
+              <a:rPr lang="ko-KR" altLang="en-US" sz="1800" dirty="0"/>
+              <a:t>값</a:t>
+            </a:r>
+          </a:p>
+        </p:txBody>
+      </p:sp>
+      <p:pic>
+        <p:nvPicPr>
+          <p:cNvPr id="9" name="그림 8">
+            <a:extLst>
+              <a:ext uri="{FF2B5EF4-FFF2-40B4-BE49-F238E27FC236}">
+                <a16:creationId xmlns:a16="http://schemas.microsoft.com/office/drawing/2014/main" id="{C74EEF32-5CCD-8471-CF6E-E98D278A0E6F}"/>
+              </a:ext>
+            </a:extLst>
+          </p:cNvPr>
+          <p:cNvPicPr>
+            <a:picLocks noChangeAspect="1"/>
+          </p:cNvPicPr>
+          <p:nvPr/>
+        </p:nvPicPr>
+        <p:blipFill>
+          <a:blip r:embed="rId2"/>
+          <a:stretch>
+            <a:fillRect/>
+          </a:stretch>
+        </p:blipFill>
+        <p:spPr>
+          <a:xfrm>
+            <a:off x="751729" y="346841"/>
+            <a:ext cx="5955878" cy="2346255"/>
+          </a:xfrm>
+          <a:prstGeom prst="rect">
+            <a:avLst/>
+          </a:prstGeom>
+        </p:spPr>
+      </p:pic>
+      <p:pic>
+        <p:nvPicPr>
+          <p:cNvPr id="12" name="그림 11">
+            <a:extLst>
+              <a:ext uri="{FF2B5EF4-FFF2-40B4-BE49-F238E27FC236}">
+                <a16:creationId xmlns:a16="http://schemas.microsoft.com/office/drawing/2014/main" id="{8C8AE26F-A775-0F09-4237-C02908C586B4}"/>
+              </a:ext>
+            </a:extLst>
+          </p:cNvPr>
+          <p:cNvPicPr>
+            <a:picLocks noChangeAspect="1"/>
+          </p:cNvPicPr>
+          <p:nvPr/>
+        </p:nvPicPr>
+        <p:blipFill>
+          <a:blip r:embed="rId3"/>
+          <a:stretch>
+            <a:fillRect/>
+          </a:stretch>
+        </p:blipFill>
+        <p:spPr>
+          <a:xfrm>
+            <a:off x="7259871" y="346841"/>
+            <a:ext cx="4932129" cy="2346255"/>
+          </a:xfrm>
+          <a:prstGeom prst="rect">
+            <a:avLst/>
+          </a:prstGeom>
+        </p:spPr>
+      </p:pic>
+      <p:pic>
+        <p:nvPicPr>
+          <p:cNvPr id="16" name="그림 15">
+            <a:extLst>
+              <a:ext uri="{FF2B5EF4-FFF2-40B4-BE49-F238E27FC236}">
+                <a16:creationId xmlns:a16="http://schemas.microsoft.com/office/drawing/2014/main" id="{13C532BC-B16A-1120-9AB4-3F2141570A44}"/>
+              </a:ext>
+            </a:extLst>
+          </p:cNvPr>
+          <p:cNvPicPr>
+            <a:picLocks noChangeAspect="1"/>
+          </p:cNvPicPr>
+          <p:nvPr/>
+        </p:nvPicPr>
+        <p:blipFill>
+          <a:blip r:embed="rId4"/>
+          <a:stretch>
+            <a:fillRect/>
+          </a:stretch>
+        </p:blipFill>
+        <p:spPr>
+          <a:xfrm>
+            <a:off x="698938" y="3075140"/>
+            <a:ext cx="6293896" cy="3782860"/>
+          </a:xfrm>
+          <a:prstGeom prst="rect">
+            <a:avLst/>
+          </a:prstGeom>
+        </p:spPr>
+      </p:pic>
+    </p:spTree>
+    <p:extLst>
+      <p:ext uri="{BB962C8B-B14F-4D97-AF65-F5344CB8AC3E}">
+        <p14:creationId xmlns:p14="http://schemas.microsoft.com/office/powerpoint/2010/main" val="3549786972"/>
+      </p:ext>
+    </p:extLst>
+  </p:cSld>
+  <p:clrMapOvr>
+    <a:masterClrMapping/>
+  </p:clrMapOvr>
+</p:sld>
+</file>
+
+<file path=ppt/slides/slide4.xml><?xml version="1.0" encoding="utf-8"?>
+<p:sld xmlns:a="http://schemas.openxmlformats.org/drawingml/2006/main" xmlns:r="http://schemas.openxmlformats.org/officeDocument/2006/relationships" xmlns:p="http://schemas.openxmlformats.org/presentationml/2006/main">
+  <p:cSld>
+    <p:spTree>
+      <p:nvGrpSpPr>
+        <p:cNvPr id="1" name=""/>
+        <p:cNvGrpSpPr/>
+        <p:nvPr/>
+      </p:nvGrpSpPr>
+      <p:grpSpPr>
+        <a:xfrm>
+          <a:off x="0" y="0"/>
+          <a:ext cx="0" cy="0"/>
+          <a:chOff x="0" y="0"/>
+          <a:chExt cx="0" cy="0"/>
+        </a:xfrm>
+      </p:grpSpPr>
+      <p:sp>
+        <p:nvSpPr>
+          <p:cNvPr id="2" name="제목 1">
+            <a:extLst>
+              <a:ext uri="{FF2B5EF4-FFF2-40B4-BE49-F238E27FC236}">
+                <a16:creationId xmlns:a16="http://schemas.microsoft.com/office/drawing/2014/main" id="{C6D12A3E-5C44-35C0-57FE-2485E32526B5}"/>
+              </a:ext>
+            </a:extLst>
+          </p:cNvPr>
+          <p:cNvSpPr>
+            <a:spLocks noGrp="1"/>
+          </p:cNvSpPr>
+          <p:nvPr>
+            <p:ph type="title"/>
+          </p:nvPr>
+        </p:nvSpPr>
+        <p:spPr>
+          <a:xfrm>
+            <a:off x="698938" y="0"/>
+            <a:ext cx="9601200" cy="346841"/>
+          </a:xfrm>
+        </p:spPr>
+        <p:txBody>
+          <a:bodyPr>
+            <a:normAutofit/>
+          </a:bodyPr>
+          <a:lstStyle/>
+          <a:p>
+            <a:r>
+              <a:rPr lang="en-US" altLang="ko-KR" sz="1800" dirty="0"/>
+              <a:t>pass</a:t>
+            </a:r>
+            <a:endParaRPr lang="ko-KR" altLang="en-US" sz="1800" dirty="0"/>
+          </a:p>
+        </p:txBody>
+      </p:sp>
+      <p:pic>
+        <p:nvPicPr>
+          <p:cNvPr id="18" name="그림 17">
+            <a:extLst>
+              <a:ext uri="{FF2B5EF4-FFF2-40B4-BE49-F238E27FC236}">
+                <a16:creationId xmlns:a16="http://schemas.microsoft.com/office/drawing/2014/main" id="{BC74541E-5E4E-11BB-D482-CB720A34BD0D}"/>
+              </a:ext>
+            </a:extLst>
+          </p:cNvPr>
+          <p:cNvPicPr>
+            <a:picLocks noChangeAspect="1"/>
+          </p:cNvPicPr>
+          <p:nvPr/>
+        </p:nvPicPr>
+        <p:blipFill>
+          <a:blip r:embed="rId2"/>
+          <a:stretch>
+            <a:fillRect/>
+          </a:stretch>
+        </p:blipFill>
+        <p:spPr>
+          <a:xfrm>
+            <a:off x="2566502" y="0"/>
+            <a:ext cx="7058996" cy="6858000"/>
+          </a:xfrm>
+          <a:prstGeom prst="rect">
+            <a:avLst/>
+          </a:prstGeom>
+        </p:spPr>
+      </p:pic>
+    </p:spTree>
+    <p:extLst>
+      <p:ext uri="{BB962C8B-B14F-4D97-AF65-F5344CB8AC3E}">
+        <p14:creationId xmlns:p14="http://schemas.microsoft.com/office/powerpoint/2010/main" val="2827016748"/>
+      </p:ext>
+    </p:extLst>
+  </p:cSld>
+  <p:clrMapOvr>
+    <a:masterClrMapping/>
+  </p:clrMapOvr>
+</p:sld>
+</file>
+
+<file path=ppt/slides/slide5.xml><?xml version="1.0" encoding="utf-8"?>
+<p:sld xmlns:a="http://schemas.openxmlformats.org/drawingml/2006/main" xmlns:r="http://schemas.openxmlformats.org/officeDocument/2006/relationships" xmlns:p="http://schemas.openxmlformats.org/presentationml/2006/main">
+  <p:cSld>
+    <p:spTree>
+      <p:nvGrpSpPr>
+        <p:cNvPr id="1" name=""/>
+        <p:cNvGrpSpPr/>
+        <p:nvPr/>
+      </p:nvGrpSpPr>
+      <p:grpSpPr>
+        <a:xfrm>
+          <a:off x="0" y="0"/>
+          <a:ext cx="0" cy="0"/>
+          <a:chOff x="0" y="0"/>
+          <a:chExt cx="0" cy="0"/>
+        </a:xfrm>
+      </p:grpSpPr>
+      <p:sp>
+        <p:nvSpPr>
+          <p:cNvPr id="2" name="제목 1">
+            <a:extLst>
+              <a:ext uri="{FF2B5EF4-FFF2-40B4-BE49-F238E27FC236}">
+                <a16:creationId xmlns:a16="http://schemas.microsoft.com/office/drawing/2014/main" id="{C6D12A3E-5C44-35C0-57FE-2485E32526B5}"/>
+              </a:ext>
+            </a:extLst>
+          </p:cNvPr>
+          <p:cNvSpPr>
+            <a:spLocks noGrp="1"/>
+          </p:cNvSpPr>
+          <p:nvPr>
+            <p:ph type="title"/>
+          </p:nvPr>
+        </p:nvSpPr>
+        <p:spPr>
+          <a:xfrm>
+            <a:off x="698938" y="0"/>
+            <a:ext cx="9601200" cy="346841"/>
+          </a:xfrm>
+        </p:spPr>
+        <p:txBody>
+          <a:bodyPr>
+            <a:normAutofit/>
+          </a:bodyPr>
+          <a:lstStyle/>
+          <a:p>
+            <a:r>
+              <a:rPr lang="ko-KR" altLang="en-US" sz="1800" dirty="0"/>
+              <a:t>가변인수</a:t>
+            </a:r>
+            <a:r>
+              <a:rPr lang="en-US" altLang="ko-KR" sz="1800" dirty="0"/>
+              <a:t>, </a:t>
+            </a:r>
+            <a:r>
+              <a:rPr lang="ko-KR" altLang="en-US" sz="1800" dirty="0"/>
+              <a:t>디폴트 값 처리</a:t>
+            </a:r>
+          </a:p>
+        </p:txBody>
+      </p:sp>
+      <p:pic>
+        <p:nvPicPr>
+          <p:cNvPr id="8" name="그림 7">
+            <a:extLst>
+              <a:ext uri="{FF2B5EF4-FFF2-40B4-BE49-F238E27FC236}">
+                <a16:creationId xmlns:a16="http://schemas.microsoft.com/office/drawing/2014/main" id="{97902F40-4E43-A834-2618-FC40F373503E}"/>
+              </a:ext>
+            </a:extLst>
+          </p:cNvPr>
+          <p:cNvPicPr>
+            <a:picLocks noChangeAspect="1"/>
+          </p:cNvPicPr>
+          <p:nvPr/>
+        </p:nvPicPr>
+        <p:blipFill>
+          <a:blip r:embed="rId2"/>
+          <a:stretch>
+            <a:fillRect/>
+          </a:stretch>
+        </p:blipFill>
+        <p:spPr>
+          <a:xfrm>
+            <a:off x="2875696" y="3540978"/>
+            <a:ext cx="6525536" cy="2610214"/>
+          </a:xfrm>
+          <a:prstGeom prst="rect">
+            <a:avLst/>
+          </a:prstGeom>
+        </p:spPr>
+      </p:pic>
+      <p:pic>
+        <p:nvPicPr>
+          <p:cNvPr id="12" name="그림 11">
+            <a:extLst>
+              <a:ext uri="{FF2B5EF4-FFF2-40B4-BE49-F238E27FC236}">
+                <a16:creationId xmlns:a16="http://schemas.microsoft.com/office/drawing/2014/main" id="{963BF801-BBCA-AA5F-5B65-8675C3FE9557}"/>
+              </a:ext>
+            </a:extLst>
+          </p:cNvPr>
+          <p:cNvPicPr>
+            <a:picLocks noChangeAspect="1"/>
+          </p:cNvPicPr>
+          <p:nvPr/>
+        </p:nvPicPr>
+        <p:blipFill>
+          <a:blip r:embed="rId3"/>
+          <a:stretch>
+            <a:fillRect/>
+          </a:stretch>
+        </p:blipFill>
+        <p:spPr>
+          <a:xfrm>
+            <a:off x="3685434" y="607353"/>
+            <a:ext cx="4906060" cy="2286319"/>
+          </a:xfrm>
+          <a:prstGeom prst="rect">
+            <a:avLst/>
+          </a:prstGeom>
+        </p:spPr>
+      </p:pic>
+    </p:spTree>
+    <p:extLst>
+      <p:ext uri="{BB962C8B-B14F-4D97-AF65-F5344CB8AC3E}">
+        <p14:creationId xmlns:p14="http://schemas.microsoft.com/office/powerpoint/2010/main" val="810664948"/>
+      </p:ext>
+    </p:extLst>
+  </p:cSld>
+  <p:clrMapOvr>
+    <a:masterClrMapping/>
+  </p:clrMapOvr>
+</p:sld>
+</file>
+
+<file path=ppt/slides/slide6.xml><?xml version="1.0" encoding="utf-8"?>
+<p:sld xmlns:a="http://schemas.openxmlformats.org/drawingml/2006/main" xmlns:r="http://schemas.openxmlformats.org/officeDocument/2006/relationships" xmlns:p="http://schemas.openxmlformats.org/presentationml/2006/main">
+  <p:cSld>
+    <p:spTree>
+      <p:nvGrpSpPr>
+        <p:cNvPr id="1" name=""/>
+        <p:cNvGrpSpPr/>
+        <p:nvPr/>
+      </p:nvGrpSpPr>
+      <p:grpSpPr>
+        <a:xfrm>
+          <a:off x="0" y="0"/>
+          <a:ext cx="0" cy="0"/>
+          <a:chOff x="0" y="0"/>
+          <a:chExt cx="0" cy="0"/>
+        </a:xfrm>
+      </p:grpSpPr>
+      <p:sp>
+        <p:nvSpPr>
+          <p:cNvPr id="2" name="제목 1">
+            <a:extLst>
+              <a:ext uri="{FF2B5EF4-FFF2-40B4-BE49-F238E27FC236}">
+                <a16:creationId xmlns:a16="http://schemas.microsoft.com/office/drawing/2014/main" id="{C6D12A3E-5C44-35C0-57FE-2485E32526B5}"/>
+              </a:ext>
+            </a:extLst>
+          </p:cNvPr>
+          <p:cNvSpPr>
+            <a:spLocks noGrp="1"/>
+          </p:cNvSpPr>
+          <p:nvPr>
+            <p:ph type="title"/>
+          </p:nvPr>
+        </p:nvSpPr>
+        <p:spPr>
+          <a:xfrm>
+            <a:off x="698938" y="0"/>
+            <a:ext cx="9601200" cy="346841"/>
+          </a:xfrm>
+        </p:spPr>
+        <p:txBody>
+          <a:bodyPr>
+            <a:normAutofit/>
+          </a:bodyPr>
+          <a:lstStyle/>
+          <a:p>
+            <a:r>
+              <a:rPr lang="ko-KR" altLang="en-US" sz="1800" dirty="0"/>
+              <a:t>키워드  인수</a:t>
+            </a:r>
+          </a:p>
+        </p:txBody>
+      </p:sp>
+      <p:pic>
+        <p:nvPicPr>
+          <p:cNvPr id="4" name="그림 3">
+            <a:extLst>
+              <a:ext uri="{FF2B5EF4-FFF2-40B4-BE49-F238E27FC236}">
+                <a16:creationId xmlns:a16="http://schemas.microsoft.com/office/drawing/2014/main" id="{93906F58-0F5A-CD61-FD7E-9DFEA6885FF7}"/>
+              </a:ext>
+            </a:extLst>
+          </p:cNvPr>
+          <p:cNvPicPr>
+            <a:picLocks noChangeAspect="1"/>
+          </p:cNvPicPr>
+          <p:nvPr/>
+        </p:nvPicPr>
+        <p:blipFill>
+          <a:blip r:embed="rId2"/>
+          <a:stretch>
+            <a:fillRect/>
+          </a:stretch>
+        </p:blipFill>
+        <p:spPr>
+          <a:xfrm>
+            <a:off x="2747495" y="346841"/>
+            <a:ext cx="6697010" cy="3258005"/>
+          </a:xfrm>
+          <a:prstGeom prst="rect">
+            <a:avLst/>
+          </a:prstGeom>
+        </p:spPr>
+      </p:pic>
+      <p:pic>
+        <p:nvPicPr>
+          <p:cNvPr id="6" name="그림 5">
+            <a:extLst>
+              <a:ext uri="{FF2B5EF4-FFF2-40B4-BE49-F238E27FC236}">
+                <a16:creationId xmlns:a16="http://schemas.microsoft.com/office/drawing/2014/main" id="{A324FBF0-99BB-ECA3-A04C-40D40563B849}"/>
+              </a:ext>
+            </a:extLst>
+          </p:cNvPr>
+          <p:cNvPicPr>
+            <a:picLocks noChangeAspect="1"/>
+          </p:cNvPicPr>
+          <p:nvPr/>
+        </p:nvPicPr>
+        <p:blipFill>
+          <a:blip r:embed="rId3"/>
+          <a:stretch>
+            <a:fillRect/>
+          </a:stretch>
+        </p:blipFill>
+        <p:spPr>
+          <a:xfrm>
+            <a:off x="2837995" y="4190628"/>
+            <a:ext cx="6516009" cy="2667372"/>
+          </a:xfrm>
+          <a:prstGeom prst="rect">
+            <a:avLst/>
+          </a:prstGeom>
+        </p:spPr>
+      </p:pic>
+    </p:spTree>
+    <p:extLst>
+      <p:ext uri="{BB962C8B-B14F-4D97-AF65-F5344CB8AC3E}">
+        <p14:creationId xmlns:p14="http://schemas.microsoft.com/office/powerpoint/2010/main" val="21412122"/>
+      </p:ext>
+    </p:extLst>
+  </p:cSld>
+  <p:clrMapOvr>
+    <a:masterClrMapping/>
+  </p:clrMapOvr>
+</p:sld>
+</file>
+
+<file path=ppt/slides/slide7.xml><?xml version="1.0" encoding="utf-8"?>
+<p:sld xmlns:a="http://schemas.openxmlformats.org/drawingml/2006/main" xmlns:r="http://schemas.openxmlformats.org/officeDocument/2006/relationships" xmlns:p="http://schemas.openxmlformats.org/presentationml/2006/main">
+  <p:cSld>
+    <p:spTree>
+      <p:nvGrpSpPr>
+        <p:cNvPr id="1" name=""/>
+        <p:cNvGrpSpPr/>
+        <p:nvPr/>
+      </p:nvGrpSpPr>
+      <p:grpSpPr>
+        <a:xfrm>
+          <a:off x="0" y="0"/>
+          <a:ext cx="0" cy="0"/>
+          <a:chOff x="0" y="0"/>
+          <a:chExt cx="0" cy="0"/>
+        </a:xfrm>
+      </p:grpSpPr>
+      <p:sp>
+        <p:nvSpPr>
+          <p:cNvPr id="2" name="제목 1">
+            <a:extLst>
+              <a:ext uri="{FF2B5EF4-FFF2-40B4-BE49-F238E27FC236}">
+                <a16:creationId xmlns:a16="http://schemas.microsoft.com/office/drawing/2014/main" id="{C6D12A3E-5C44-35C0-57FE-2485E32526B5}"/>
+              </a:ext>
+            </a:extLst>
+          </p:cNvPr>
+          <p:cNvSpPr>
+            <a:spLocks noGrp="1"/>
+          </p:cNvSpPr>
+          <p:nvPr>
+            <p:ph type="title"/>
+          </p:nvPr>
+        </p:nvSpPr>
+        <p:spPr>
+          <a:xfrm>
+            <a:off x="698938" y="0"/>
+            <a:ext cx="9601200" cy="346841"/>
+          </a:xfrm>
+        </p:spPr>
+        <p:txBody>
+          <a:bodyPr>
+            <a:normAutofit/>
+          </a:bodyPr>
+          <a:lstStyle/>
+          <a:p>
+            <a:r>
+              <a:rPr lang="ko-KR" altLang="en-US" sz="1800" dirty="0"/>
+              <a:t>키워드 가변 인수</a:t>
+            </a:r>
+          </a:p>
+        </p:txBody>
+      </p:sp>
+      <p:pic>
+        <p:nvPicPr>
+          <p:cNvPr id="4" name="그림 3">
+            <a:extLst>
+              <a:ext uri="{FF2B5EF4-FFF2-40B4-BE49-F238E27FC236}">
+                <a16:creationId xmlns:a16="http://schemas.microsoft.com/office/drawing/2014/main" id="{E4B8A1AA-0532-16C0-4229-E4735B905E50}"/>
+              </a:ext>
+            </a:extLst>
+          </p:cNvPr>
+          <p:cNvPicPr>
+            <a:picLocks noChangeAspect="1"/>
+          </p:cNvPicPr>
+          <p:nvPr/>
+        </p:nvPicPr>
+        <p:blipFill>
+          <a:blip r:embed="rId2"/>
+          <a:stretch>
+            <a:fillRect/>
+          </a:stretch>
+        </p:blipFill>
+        <p:spPr>
+          <a:xfrm>
+            <a:off x="2990416" y="2190577"/>
+            <a:ext cx="6211167" cy="2476846"/>
+          </a:xfrm>
+          <a:prstGeom prst="rect">
+            <a:avLst/>
+          </a:prstGeom>
+        </p:spPr>
+      </p:pic>
+    </p:spTree>
+    <p:extLst>
+      <p:ext uri="{BB962C8B-B14F-4D97-AF65-F5344CB8AC3E}">
+        <p14:creationId xmlns:p14="http://schemas.microsoft.com/office/powerpoint/2010/main" val="391014320"/>
+      </p:ext>
+    </p:extLst>
+  </p:cSld>
+  <p:clrMapOvr>
+    <a:masterClrMapping/>
+  </p:clrMapOvr>
+</p:sld>
+</file>
+
+<file path=ppt/slides/slide8.xml><?xml version="1.0" encoding="utf-8"?>
+<p:sld xmlns:a="http://schemas.openxmlformats.org/drawingml/2006/main" xmlns:r="http://schemas.openxmlformats.org/officeDocument/2006/relationships" xmlns:p="http://schemas.openxmlformats.org/presentationml/2006/main">
+  <p:cSld>
+    <p:spTree>
+      <p:nvGrpSpPr>
+        <p:cNvPr id="1" name=""/>
+        <p:cNvGrpSpPr/>
+        <p:nvPr/>
+      </p:nvGrpSpPr>
+      <p:grpSpPr>
+        <a:xfrm>
+          <a:off x="0" y="0"/>
+          <a:ext cx="0" cy="0"/>
+          <a:chOff x="0" y="0"/>
+          <a:chExt cx="0" cy="0"/>
+        </a:xfrm>
+      </p:grpSpPr>
+      <p:sp>
+        <p:nvSpPr>
+          <p:cNvPr id="2" name="제목 1">
+            <a:extLst>
+              <a:ext uri="{FF2B5EF4-FFF2-40B4-BE49-F238E27FC236}">
+                <a16:creationId xmlns:a16="http://schemas.microsoft.com/office/drawing/2014/main" id="{C6D12A3E-5C44-35C0-57FE-2485E32526B5}"/>
+              </a:ext>
+            </a:extLst>
+          </p:cNvPr>
+          <p:cNvSpPr>
+            <a:spLocks noGrp="1"/>
+          </p:cNvSpPr>
+          <p:nvPr>
+            <p:ph type="title"/>
+          </p:nvPr>
+        </p:nvSpPr>
+        <p:spPr>
+          <a:xfrm>
+            <a:off x="698938" y="0"/>
+            <a:ext cx="9601200" cy="346841"/>
+          </a:xfrm>
+        </p:spPr>
+        <p:txBody>
+          <a:bodyPr>
+            <a:normAutofit/>
+          </a:bodyPr>
+          <a:lstStyle/>
+          <a:p>
+            <a:r>
+              <a:rPr lang="ko-KR" altLang="en-US" sz="1800" dirty="0"/>
+              <a:t>키워드 가변 인수</a:t>
+            </a:r>
+          </a:p>
+        </p:txBody>
+      </p:sp>
+      <p:pic>
+        <p:nvPicPr>
+          <p:cNvPr id="3" name="그림 2">
+            <a:extLst>
+              <a:ext uri="{FF2B5EF4-FFF2-40B4-BE49-F238E27FC236}">
+                <a16:creationId xmlns:a16="http://schemas.microsoft.com/office/drawing/2014/main" id="{EB4E56FF-B0B5-F807-704C-578EC562D631}"/>
+              </a:ext>
+            </a:extLst>
+          </p:cNvPr>
+          <p:cNvPicPr>
+            <a:picLocks noChangeAspect="1"/>
+          </p:cNvPicPr>
+          <p:nvPr/>
+        </p:nvPicPr>
+        <p:blipFill>
+          <a:blip r:embed="rId2"/>
+          <a:stretch>
+            <a:fillRect/>
+          </a:stretch>
+        </p:blipFill>
+        <p:spPr>
+          <a:xfrm>
+            <a:off x="2928495" y="737812"/>
+            <a:ext cx="6335009" cy="5382376"/>
+          </a:xfrm>
+          <a:prstGeom prst="rect">
+            <a:avLst/>
+          </a:prstGeom>
+        </p:spPr>
+      </p:pic>
+    </p:spTree>
+    <p:extLst>
+      <p:ext uri="{BB962C8B-B14F-4D97-AF65-F5344CB8AC3E}">
+        <p14:creationId xmlns:p14="http://schemas.microsoft.com/office/powerpoint/2010/main" val="76506783"/>
+      </p:ext>
+    </p:extLst>
+  </p:cSld>
+  <p:clrMapOvr>
+    <a:masterClrMapping/>
+  </p:clrMapOvr>
+</p:sld>
+</file>
+
+<file path=ppt/slides/slide9.xml><?xml version="1.0" encoding="utf-8"?>
+<p:sld xmlns:a="http://schemas.openxmlformats.org/drawingml/2006/main" xmlns:r="http://schemas.openxmlformats.org/officeDocument/2006/relationships" xmlns:p="http://schemas.openxmlformats.org/presentationml/2006/main">
+  <p:cSld>
+    <p:spTree>
+      <p:nvGrpSpPr>
+        <p:cNvPr id="1" name=""/>
+        <p:cNvGrpSpPr/>
+        <p:nvPr/>
+      </p:nvGrpSpPr>
+      <p:grpSpPr>
+        <a:xfrm>
+          <a:off x="0" y="0"/>
+          <a:ext cx="0" cy="0"/>
+          <a:chOff x="0" y="0"/>
+          <a:chExt cx="0" cy="0"/>
+        </a:xfrm>
+      </p:grpSpPr>
+      <p:sp>
+        <p:nvSpPr>
+          <p:cNvPr id="2" name="제목 1">
+            <a:extLst>
+              <a:ext uri="{FF2B5EF4-FFF2-40B4-BE49-F238E27FC236}">
+                <a16:creationId xmlns:a16="http://schemas.microsoft.com/office/drawing/2014/main" id="{C6D12A3E-5C44-35C0-57FE-2485E32526B5}"/>
+              </a:ext>
+            </a:extLst>
+          </p:cNvPr>
+          <p:cNvSpPr>
+            <a:spLocks noGrp="1"/>
+          </p:cNvSpPr>
+          <p:nvPr>
+            <p:ph type="title"/>
+          </p:nvPr>
+        </p:nvSpPr>
+        <p:spPr>
+          <a:xfrm>
+            <a:off x="698938" y="0"/>
+            <a:ext cx="9601200" cy="346841"/>
+          </a:xfrm>
+        </p:spPr>
+        <p:txBody>
+          <a:bodyPr>
+            <a:normAutofit/>
+          </a:bodyPr>
+          <a:lstStyle/>
+          <a:p>
+            <a:r>
+              <a:rPr lang="ko-KR" altLang="en-US" sz="1800" dirty="0"/>
+              <a:t>전역변수</a:t>
+            </a:r>
+            <a:r>
+              <a:rPr lang="en-US" altLang="ko-KR" sz="1800" dirty="0"/>
+              <a:t>, </a:t>
+            </a:r>
+            <a:r>
+              <a:rPr lang="ko-KR" altLang="en-US" sz="1800" dirty="0"/>
+              <a:t>지역변수</a:t>
+            </a:r>
+          </a:p>
+        </p:txBody>
+      </p:sp>
+      <p:pic>
+        <p:nvPicPr>
+          <p:cNvPr id="4" name="그림 3">
+            <a:extLst>
+              <a:ext uri="{FF2B5EF4-FFF2-40B4-BE49-F238E27FC236}">
+                <a16:creationId xmlns:a16="http://schemas.microsoft.com/office/drawing/2014/main" id="{64DA7B16-9706-A03C-5A65-DDD68C15627D}"/>
+              </a:ext>
+            </a:extLst>
+          </p:cNvPr>
+          <p:cNvPicPr>
+            <a:picLocks noChangeAspect="1"/>
+          </p:cNvPicPr>
+          <p:nvPr/>
+        </p:nvPicPr>
+        <p:blipFill>
+          <a:blip r:embed="rId2"/>
+          <a:stretch>
+            <a:fillRect/>
+          </a:stretch>
+        </p:blipFill>
+        <p:spPr>
+          <a:xfrm>
+            <a:off x="3625176" y="346841"/>
+            <a:ext cx="4941647" cy="2957128"/>
+          </a:xfrm>
+          <a:prstGeom prst="rect">
+            <a:avLst/>
+          </a:prstGeom>
+        </p:spPr>
+      </p:pic>
+      <p:pic>
+        <p:nvPicPr>
+          <p:cNvPr id="6" name="그림 5">
+            <a:extLst>
+              <a:ext uri="{FF2B5EF4-FFF2-40B4-BE49-F238E27FC236}">
+                <a16:creationId xmlns:a16="http://schemas.microsoft.com/office/drawing/2014/main" id="{6B9E5ED0-100F-5A97-489F-65A208BDED1B}"/>
+              </a:ext>
+            </a:extLst>
+          </p:cNvPr>
+          <p:cNvPicPr>
+            <a:picLocks noChangeAspect="1"/>
+          </p:cNvPicPr>
+          <p:nvPr/>
+        </p:nvPicPr>
+        <p:blipFill>
+          <a:blip r:embed="rId3"/>
+          <a:stretch>
+            <a:fillRect/>
+          </a:stretch>
+        </p:blipFill>
+        <p:spPr>
+          <a:xfrm>
+            <a:off x="4233601" y="3133205"/>
+            <a:ext cx="3724795" cy="3724795"/>
+          </a:xfrm>
+          <a:prstGeom prst="rect">
+            <a:avLst/>
+          </a:prstGeom>
+        </p:spPr>
+      </p:pic>
+    </p:spTree>
+    <p:extLst>
+      <p:ext uri="{BB962C8B-B14F-4D97-AF65-F5344CB8AC3E}">
+        <p14:creationId xmlns:p14="http://schemas.microsoft.com/office/powerpoint/2010/main" val="1882466057"/>
       </p:ext>
     </p:extLst>
   </p:cSld>

--- a/파이썬 과제/파이썬 7강 과제 남정현.pptx
+++ b/파이썬 과제/파이썬 7강 과제 남정현.pptx
@@ -120,6 +120,35 @@
     </p:ext>
   </p:extLst>
 </p:presentation>
+</file>
+
+<file path=ppt/changesInfos/changesInfo1.xml><?xml version="1.0" encoding="utf-8"?>
+<pc:chgInfo xmlns:a="http://schemas.openxmlformats.org/drawingml/2006/main" xmlns:r="http://schemas.openxmlformats.org/officeDocument/2006/relationships" xmlns:ac="http://schemas.microsoft.com/office/drawing/2013/main/command" xmlns:pc="http://schemas.microsoft.com/office/powerpoint/2013/main/command">
+  <pc:docChgLst>
+    <pc:chgData name="남 정현" userId="42c87c46deb7f138" providerId="LiveId" clId="{C201480F-9500-42EA-A2E1-D86C27600297}"/>
+    <pc:docChg chg="modSld">
+      <pc:chgData name="남 정현" userId="42c87c46deb7f138" providerId="LiveId" clId="{C201480F-9500-42EA-A2E1-D86C27600297}" dt="2023-04-27T14:42:19.951" v="1" actId="1076"/>
+      <pc:docMkLst>
+        <pc:docMk/>
+      </pc:docMkLst>
+      <pc:sldChg chg="modSp mod">
+        <pc:chgData name="남 정현" userId="42c87c46deb7f138" providerId="LiveId" clId="{C201480F-9500-42EA-A2E1-D86C27600297}" dt="2023-04-27T14:42:19.951" v="1" actId="1076"/>
+        <pc:sldMkLst>
+          <pc:docMk/>
+          <pc:sldMk cId="2827016748" sldId="259"/>
+        </pc:sldMkLst>
+        <pc:picChg chg="mod">
+          <ac:chgData name="남 정현" userId="42c87c46deb7f138" providerId="LiveId" clId="{C201480F-9500-42EA-A2E1-D86C27600297}" dt="2023-04-27T14:42:19.951" v="1" actId="1076"/>
+          <ac:picMkLst>
+            <pc:docMk/>
+            <pc:sldMk cId="2827016748" sldId="259"/>
+            <ac:picMk id="18" creationId="{BC74541E-5E4E-11BB-D482-CB720A34BD0D}"/>
+          </ac:picMkLst>
+        </pc:picChg>
+      </pc:sldChg>
+    </pc:docChg>
+  </pc:docChgLst>
+</pc:chgInfo>
 </file>
 
 <file path=ppt/slideLayouts/slideLayout1.xml><?xml version="1.0" encoding="utf-8"?>
@@ -4515,7 +4544,7 @@
         </p:blipFill>
         <p:spPr>
           <a:xfrm>
-            <a:off x="2566502" y="0"/>
+            <a:off x="2383622" y="407801"/>
             <a:ext cx="7058996" cy="6858000"/>
           </a:xfrm>
           <a:prstGeom prst="rect">
